--- a/doc/wireframe_movie-api.pptx
+++ b/doc/wireframe_movie-api.pptx
@@ -7,6 +7,7 @@
   <p:sldIdLst>
     <p:sldId id="256" r:id="rId2"/>
     <p:sldId id="257" r:id="rId3"/>
+    <p:sldId id="258" r:id="rId4"/>
   </p:sldIdLst>
   <p:sldSz cx="9144000" cy="6858000" type="screen4x3"/>
   <p:notesSz cx="6858000" cy="9144000"/>
@@ -289,7 +290,8 @@
           <a:p>
             <a:fld id="{58EDF1EF-770E-4AD1-8683-A6A108B1F52A}" type="datetimeFigureOut">
               <a:rPr lang="ko-KR" altLang="en-US" smtClean="0"/>
-              <a:t>2020-01-03</a:t>
+              <a:pPr/>
+              <a:t>2020-01-05</a:t>
             </a:fld>
             <a:endParaRPr lang="ko-KR" altLang="en-US"/>
           </a:p>
@@ -331,6 +333,7 @@
           <a:p>
             <a:fld id="{AE2F2E37-F567-4CF9-8E0B-86667482DBEA}" type="slidenum">
               <a:rPr lang="ko-KR" altLang="en-US" smtClean="0"/>
+              <a:pPr/>
               <a:t>‹#›</a:t>
             </a:fld>
             <a:endParaRPr lang="ko-KR" altLang="en-US"/>
@@ -454,7 +457,8 @@
           <a:p>
             <a:fld id="{58EDF1EF-770E-4AD1-8683-A6A108B1F52A}" type="datetimeFigureOut">
               <a:rPr lang="ko-KR" altLang="en-US" smtClean="0"/>
-              <a:t>2020-01-03</a:t>
+              <a:pPr/>
+              <a:t>2020-01-05</a:t>
             </a:fld>
             <a:endParaRPr lang="ko-KR" altLang="en-US"/>
           </a:p>
@@ -496,6 +500,7 @@
           <a:p>
             <a:fld id="{AE2F2E37-F567-4CF9-8E0B-86667482DBEA}" type="slidenum">
               <a:rPr lang="ko-KR" altLang="en-US" smtClean="0"/>
+              <a:pPr/>
               <a:t>‹#›</a:t>
             </a:fld>
             <a:endParaRPr lang="ko-KR" altLang="en-US"/>
@@ -629,7 +634,8 @@
           <a:p>
             <a:fld id="{58EDF1EF-770E-4AD1-8683-A6A108B1F52A}" type="datetimeFigureOut">
               <a:rPr lang="ko-KR" altLang="en-US" smtClean="0"/>
-              <a:t>2020-01-03</a:t>
+              <a:pPr/>
+              <a:t>2020-01-05</a:t>
             </a:fld>
             <a:endParaRPr lang="ko-KR" altLang="en-US"/>
           </a:p>
@@ -671,6 +677,7 @@
           <a:p>
             <a:fld id="{AE2F2E37-F567-4CF9-8E0B-86667482DBEA}" type="slidenum">
               <a:rPr lang="ko-KR" altLang="en-US" smtClean="0"/>
+              <a:pPr/>
               <a:t>‹#›</a:t>
             </a:fld>
             <a:endParaRPr lang="ko-KR" altLang="en-US"/>
@@ -794,7 +801,8 @@
           <a:p>
             <a:fld id="{58EDF1EF-770E-4AD1-8683-A6A108B1F52A}" type="datetimeFigureOut">
               <a:rPr lang="ko-KR" altLang="en-US" smtClean="0"/>
-              <a:t>2020-01-03</a:t>
+              <a:pPr/>
+              <a:t>2020-01-05</a:t>
             </a:fld>
             <a:endParaRPr lang="ko-KR" altLang="en-US"/>
           </a:p>
@@ -836,6 +844,7 @@
           <a:p>
             <a:fld id="{AE2F2E37-F567-4CF9-8E0B-86667482DBEA}" type="slidenum">
               <a:rPr lang="ko-KR" altLang="en-US" smtClean="0"/>
+              <a:pPr/>
               <a:t>‹#›</a:t>
             </a:fld>
             <a:endParaRPr lang="ko-KR" altLang="en-US"/>
@@ -1035,7 +1044,8 @@
           <a:p>
             <a:fld id="{58EDF1EF-770E-4AD1-8683-A6A108B1F52A}" type="datetimeFigureOut">
               <a:rPr lang="ko-KR" altLang="en-US" smtClean="0"/>
-              <a:t>2020-01-03</a:t>
+              <a:pPr/>
+              <a:t>2020-01-05</a:t>
             </a:fld>
             <a:endParaRPr lang="ko-KR" altLang="en-US"/>
           </a:p>
@@ -1077,6 +1087,7 @@
           <a:p>
             <a:fld id="{AE2F2E37-F567-4CF9-8E0B-86667482DBEA}" type="slidenum">
               <a:rPr lang="ko-KR" altLang="en-US" smtClean="0"/>
+              <a:pPr/>
               <a:t>‹#›</a:t>
             </a:fld>
             <a:endParaRPr lang="ko-KR" altLang="en-US"/>
@@ -1318,7 +1329,8 @@
           <a:p>
             <a:fld id="{58EDF1EF-770E-4AD1-8683-A6A108B1F52A}" type="datetimeFigureOut">
               <a:rPr lang="ko-KR" altLang="en-US" smtClean="0"/>
-              <a:t>2020-01-03</a:t>
+              <a:pPr/>
+              <a:t>2020-01-05</a:t>
             </a:fld>
             <a:endParaRPr lang="ko-KR" altLang="en-US"/>
           </a:p>
@@ -1360,6 +1372,7 @@
           <a:p>
             <a:fld id="{AE2F2E37-F567-4CF9-8E0B-86667482DBEA}" type="slidenum">
               <a:rPr lang="ko-KR" altLang="en-US" smtClean="0"/>
+              <a:pPr/>
               <a:t>‹#›</a:t>
             </a:fld>
             <a:endParaRPr lang="ko-KR" altLang="en-US"/>
@@ -1735,7 +1748,8 @@
           <a:p>
             <a:fld id="{58EDF1EF-770E-4AD1-8683-A6A108B1F52A}" type="datetimeFigureOut">
               <a:rPr lang="ko-KR" altLang="en-US" smtClean="0"/>
-              <a:t>2020-01-03</a:t>
+              <a:pPr/>
+              <a:t>2020-01-05</a:t>
             </a:fld>
             <a:endParaRPr lang="ko-KR" altLang="en-US"/>
           </a:p>
@@ -1777,6 +1791,7 @@
           <a:p>
             <a:fld id="{AE2F2E37-F567-4CF9-8E0B-86667482DBEA}" type="slidenum">
               <a:rPr lang="ko-KR" altLang="en-US" smtClean="0"/>
+              <a:pPr/>
               <a:t>‹#›</a:t>
             </a:fld>
             <a:endParaRPr lang="ko-KR" altLang="en-US"/>
@@ -1848,7 +1863,8 @@
           <a:p>
             <a:fld id="{58EDF1EF-770E-4AD1-8683-A6A108B1F52A}" type="datetimeFigureOut">
               <a:rPr lang="ko-KR" altLang="en-US" smtClean="0"/>
-              <a:t>2020-01-03</a:t>
+              <a:pPr/>
+              <a:t>2020-01-05</a:t>
             </a:fld>
             <a:endParaRPr lang="ko-KR" altLang="en-US"/>
           </a:p>
@@ -1890,6 +1906,7 @@
           <a:p>
             <a:fld id="{AE2F2E37-F567-4CF9-8E0B-86667482DBEA}" type="slidenum">
               <a:rPr lang="ko-KR" altLang="en-US" smtClean="0"/>
+              <a:pPr/>
               <a:t>‹#›</a:t>
             </a:fld>
             <a:endParaRPr lang="ko-KR" altLang="en-US"/>
@@ -1938,7 +1955,8 @@
           <a:p>
             <a:fld id="{58EDF1EF-770E-4AD1-8683-A6A108B1F52A}" type="datetimeFigureOut">
               <a:rPr lang="ko-KR" altLang="en-US" smtClean="0"/>
-              <a:t>2020-01-03</a:t>
+              <a:pPr/>
+              <a:t>2020-01-05</a:t>
             </a:fld>
             <a:endParaRPr lang="ko-KR" altLang="en-US"/>
           </a:p>
@@ -1980,6 +1998,7 @@
           <a:p>
             <a:fld id="{AE2F2E37-F567-4CF9-8E0B-86667482DBEA}" type="slidenum">
               <a:rPr lang="ko-KR" altLang="en-US" smtClean="0"/>
+              <a:pPr/>
               <a:t>‹#›</a:t>
             </a:fld>
             <a:endParaRPr lang="ko-KR" altLang="en-US"/>
@@ -2210,7 +2229,8 @@
           <a:p>
             <a:fld id="{58EDF1EF-770E-4AD1-8683-A6A108B1F52A}" type="datetimeFigureOut">
               <a:rPr lang="ko-KR" altLang="en-US" smtClean="0"/>
-              <a:t>2020-01-03</a:t>
+              <a:pPr/>
+              <a:t>2020-01-05</a:t>
             </a:fld>
             <a:endParaRPr lang="ko-KR" altLang="en-US"/>
           </a:p>
@@ -2252,6 +2272,7 @@
           <a:p>
             <a:fld id="{AE2F2E37-F567-4CF9-8E0B-86667482DBEA}" type="slidenum">
               <a:rPr lang="ko-KR" altLang="en-US" smtClean="0"/>
+              <a:pPr/>
               <a:t>‹#›</a:t>
             </a:fld>
             <a:endParaRPr lang="ko-KR" altLang="en-US"/>
@@ -2458,7 +2479,8 @@
           <a:p>
             <a:fld id="{58EDF1EF-770E-4AD1-8683-A6A108B1F52A}" type="datetimeFigureOut">
               <a:rPr lang="ko-KR" altLang="en-US" smtClean="0"/>
-              <a:t>2020-01-03</a:t>
+              <a:pPr/>
+              <a:t>2020-01-05</a:t>
             </a:fld>
             <a:endParaRPr lang="ko-KR" altLang="en-US"/>
           </a:p>
@@ -2500,6 +2522,7 @@
           <a:p>
             <a:fld id="{AE2F2E37-F567-4CF9-8E0B-86667482DBEA}" type="slidenum">
               <a:rPr lang="ko-KR" altLang="en-US" smtClean="0"/>
+              <a:pPr/>
               <a:t>‹#›</a:t>
             </a:fld>
             <a:endParaRPr lang="ko-KR" altLang="en-US"/>
@@ -2666,7 +2689,8 @@
           <a:p>
             <a:fld id="{58EDF1EF-770E-4AD1-8683-A6A108B1F52A}" type="datetimeFigureOut">
               <a:rPr lang="ko-KR" altLang="en-US" smtClean="0"/>
-              <a:t>2020-01-03</a:t>
+              <a:pPr/>
+              <a:t>2020-01-05</a:t>
             </a:fld>
             <a:endParaRPr lang="ko-KR" altLang="en-US"/>
           </a:p>
@@ -2744,6 +2768,7 @@
           <a:p>
             <a:fld id="{AE2F2E37-F567-4CF9-8E0B-86667482DBEA}" type="slidenum">
               <a:rPr lang="ko-KR" altLang="en-US" smtClean="0"/>
+              <a:pPr/>
               <a:t>‹#›</a:t>
             </a:fld>
             <a:endParaRPr lang="ko-KR" altLang="en-US"/>
@@ -4510,6 +4535,113 @@
           <a:p>
             <a:pPr algn="ctr"/>
             <a:endParaRPr lang="ko-KR" altLang="en-US"/>
+          </a:p>
+        </p:txBody>
+      </p:sp>
+    </p:spTree>
+  </p:cSld>
+  <p:clrMapOvr>
+    <a:masterClrMapping/>
+  </p:clrMapOvr>
+</p:sld>
+</file>
+
+<file path=ppt/slides/slide3.xml><?xml version="1.0" encoding="utf-8"?>
+<p:sld xmlns:a="http://schemas.openxmlformats.org/drawingml/2006/main" xmlns:r="http://schemas.openxmlformats.org/officeDocument/2006/relationships" xmlns:p="http://schemas.openxmlformats.org/presentationml/2006/main">
+  <p:cSld>
+    <p:spTree>
+      <p:nvGrpSpPr>
+        <p:cNvPr id="1" name=""/>
+        <p:cNvGrpSpPr/>
+        <p:nvPr/>
+      </p:nvGrpSpPr>
+      <p:grpSpPr>
+        <a:xfrm>
+          <a:off x="0" y="0"/>
+          <a:ext cx="0" cy="0"/>
+          <a:chOff x="0" y="0"/>
+          <a:chExt cx="0" cy="0"/>
+        </a:xfrm>
+      </p:grpSpPr>
+      <p:sp>
+        <p:nvSpPr>
+          <p:cNvPr id="5" name="제목 4"/>
+          <p:cNvSpPr>
+            <a:spLocks noGrp="1"/>
+          </p:cNvSpPr>
+          <p:nvPr>
+            <p:ph type="title"/>
+          </p:nvPr>
+        </p:nvSpPr>
+        <p:spPr/>
+        <p:txBody>
+          <a:bodyPr/>
+          <a:lstStyle/>
+          <a:p>
+            <a:r>
+              <a:rPr lang="en-US" altLang="ko-KR" dirty="0" smtClean="0"/>
+              <a:t>User Flow</a:t>
+            </a:r>
+            <a:endParaRPr lang="ko-KR" altLang="en-US" dirty="0"/>
+          </a:p>
+        </p:txBody>
+      </p:sp>
+      <p:sp>
+        <p:nvSpPr>
+          <p:cNvPr id="6" name="내용 개체 틀 5"/>
+          <p:cNvSpPr>
+            <a:spLocks noGrp="1"/>
+          </p:cNvSpPr>
+          <p:nvPr>
+            <p:ph sz="half" idx="1"/>
+          </p:nvPr>
+        </p:nvSpPr>
+        <p:spPr/>
+        <p:txBody>
+          <a:bodyPr/>
+          <a:lstStyle/>
+          <a:p>
+            <a:r>
+              <a:rPr lang="en-US" altLang="ko-KR" dirty="0" smtClean="0"/>
+              <a:t>User enters invalid keyword or movie title</a:t>
+            </a:r>
+          </a:p>
+          <a:p>
+            <a:r>
+              <a:rPr lang="en-US" altLang="ko-KR" dirty="0" smtClean="0"/>
+              <a:t>User enters a valid keyword and movie title</a:t>
+            </a:r>
+          </a:p>
+          <a:p>
+            <a:endParaRPr lang="ko-KR" altLang="en-US" dirty="0"/>
+          </a:p>
+        </p:txBody>
+      </p:sp>
+      <p:sp>
+        <p:nvSpPr>
+          <p:cNvPr id="7" name="내용 개체 틀 6"/>
+          <p:cNvSpPr>
+            <a:spLocks noGrp="1"/>
+          </p:cNvSpPr>
+          <p:nvPr>
+            <p:ph sz="half" idx="2"/>
+          </p:nvPr>
+        </p:nvSpPr>
+        <p:spPr/>
+        <p:txBody>
+          <a:bodyPr/>
+          <a:lstStyle/>
+          <a:p>
+            <a:r>
+              <a:rPr lang="en-US" altLang="ko-KR" dirty="0" smtClean="0"/>
+              <a:t>Error will pop out saying that the user has to type correct keyword or movie title</a:t>
+            </a:r>
+          </a:p>
+          <a:p>
+            <a:r>
+              <a:rPr lang="en-US" altLang="ko-KR" dirty="0" smtClean="0"/>
+              <a:t>User will see the result of a movie or movies</a:t>
+            </a:r>
           </a:p>
         </p:txBody>
       </p:sp>
